--- a/Presentazione.pptx
+++ b/Presentazione.pptx
@@ -5,7 +5,7 @@
     <p:sldMasterId id="2147483648" r:id="rId1"/>
   </p:sldMasterIdLst>
   <p:notesMasterIdLst>
-    <p:notesMasterId r:id="rId16"/>
+    <p:notesMasterId r:id="rId15"/>
   </p:notesMasterIdLst>
   <p:sldIdLst>
     <p:sldId id="256" r:id="rId2"/>
@@ -21,7 +21,6 @@
     <p:sldId id="276" r:id="rId12"/>
     <p:sldId id="266" r:id="rId13"/>
     <p:sldId id="267" r:id="rId14"/>
-    <p:sldId id="268" r:id="rId15"/>
   </p:sldIdLst>
   <p:sldSz cx="12192000" cy="6858000"/>
   <p:notesSz cx="6858000" cy="9144000"/>
@@ -236,7 +235,7 @@
           <a:p>
             <a:fld id="{95509540-211D-4DA4-8A27-CB6D858BAD3C}" type="datetimeFigureOut">
               <a:rPr lang="it-IT" smtClean="0"/>
-              <a:t>10/05/2019</a:t>
+              <a:t>07/06/2019</a:t>
             </a:fld>
             <a:endParaRPr lang="it-IT"/>
           </a:p>
@@ -833,7 +832,7 @@
             <a:fld id="{B61BEF0D-F0BB-DE4B-95CE-6DB70DBA9567}" type="datetimeFigureOut">
               <a:rPr lang="en-US" dirty="0"/>
               <a:pPr/>
-              <a:t>5/10/2019</a:t>
+              <a:t>6/7/2019</a:t>
             </a:fld>
             <a:endParaRPr lang="en-US" dirty="0"/>
           </a:p>
@@ -1240,7 +1239,7 @@
             <a:fld id="{B61BEF0D-F0BB-DE4B-95CE-6DB70DBA9567}" type="datetimeFigureOut">
               <a:rPr lang="en-US" dirty="0"/>
               <a:pPr/>
-              <a:t>5/10/2019</a:t>
+              <a:t>6/7/2019</a:t>
             </a:fld>
             <a:endParaRPr lang="en-US" dirty="0"/>
           </a:p>
@@ -1526,7 +1525,7 @@
             <a:fld id="{B61BEF0D-F0BB-DE4B-95CE-6DB70DBA9567}" type="datetimeFigureOut">
               <a:rPr lang="en-US" dirty="0"/>
               <a:pPr/>
-              <a:t>5/10/2019</a:t>
+              <a:t>6/7/2019</a:t>
             </a:fld>
             <a:endParaRPr lang="en-US" dirty="0"/>
           </a:p>
@@ -1753,7 +1752,7 @@
             <a:fld id="{B61BEF0D-F0BB-DE4B-95CE-6DB70DBA9567}" type="datetimeFigureOut">
               <a:rPr lang="en-US" dirty="0"/>
               <a:pPr/>
-              <a:t>5/10/2019</a:t>
+              <a:t>6/7/2019</a:t>
             </a:fld>
             <a:endParaRPr lang="en-US" dirty="0"/>
           </a:p>
@@ -1985,7 +1984,7 @@
             <a:fld id="{B61BEF0D-F0BB-DE4B-95CE-6DB70DBA9567}" type="datetimeFigureOut">
               <a:rPr lang="en-US" dirty="0"/>
               <a:pPr/>
-              <a:t>5/10/2019</a:t>
+              <a:t>6/7/2019</a:t>
             </a:fld>
             <a:endParaRPr lang="en-US" dirty="0"/>
           </a:p>
@@ -2222,7 +2221,7 @@
             <a:fld id="{B61BEF0D-F0BB-DE4B-95CE-6DB70DBA9567}" type="datetimeFigureOut">
               <a:rPr lang="en-US" dirty="0"/>
               <a:pPr/>
-              <a:t>5/10/2019</a:t>
+              <a:t>6/7/2019</a:t>
             </a:fld>
             <a:endParaRPr lang="en-US" dirty="0"/>
           </a:p>
@@ -2526,7 +2525,7 @@
             <a:fld id="{B61BEF0D-F0BB-DE4B-95CE-6DB70DBA9567}" type="datetimeFigureOut">
               <a:rPr lang="en-US" dirty="0"/>
               <a:pPr/>
-              <a:t>5/10/2019</a:t>
+              <a:t>6/7/2019</a:t>
             </a:fld>
             <a:endParaRPr lang="en-US" dirty="0"/>
           </a:p>
@@ -2825,7 +2824,7 @@
             <a:fld id="{B61BEF0D-F0BB-DE4B-95CE-6DB70DBA9567}" type="datetimeFigureOut">
               <a:rPr lang="en-US" dirty="0"/>
               <a:pPr/>
-              <a:t>5/10/2019</a:t>
+              <a:t>6/7/2019</a:t>
             </a:fld>
             <a:endParaRPr lang="en-US" dirty="0"/>
           </a:p>
@@ -3244,7 +3243,7 @@
             <a:fld id="{B61BEF0D-F0BB-DE4B-95CE-6DB70DBA9567}" type="datetimeFigureOut">
               <a:rPr lang="en-US" dirty="0"/>
               <a:pPr/>
-              <a:t>5/10/2019</a:t>
+              <a:t>6/7/2019</a:t>
             </a:fld>
             <a:endParaRPr lang="en-US" dirty="0"/>
           </a:p>
@@ -3336,7 +3335,7 @@
             <a:fld id="{B61BEF0D-F0BB-DE4B-95CE-6DB70DBA9567}" type="datetimeFigureOut">
               <a:rPr lang="en-US" dirty="0"/>
               <a:pPr/>
-              <a:t>5/10/2019</a:t>
+              <a:t>6/7/2019</a:t>
             </a:fld>
             <a:endParaRPr lang="en-US" dirty="0"/>
           </a:p>
@@ -3495,7 +3494,7 @@
             <a:fld id="{B61BEF0D-F0BB-DE4B-95CE-6DB70DBA9567}" type="datetimeFigureOut">
               <a:rPr lang="en-US" dirty="0"/>
               <a:pPr/>
-              <a:t>5/10/2019</a:t>
+              <a:t>6/7/2019</a:t>
             </a:fld>
             <a:endParaRPr lang="en-US" dirty="0"/>
           </a:p>
@@ -3622,7 +3621,7 @@
             <a:fld id="{B61BEF0D-F0BB-DE4B-95CE-6DB70DBA9567}" type="datetimeFigureOut">
               <a:rPr lang="en-US" smtClean="0"/>
               <a:pPr/>
-              <a:t>5/10/2019</a:t>
+              <a:t>6/7/2019</a:t>
             </a:fld>
             <a:endParaRPr lang="en-US" dirty="0"/>
           </a:p>
@@ -3766,7 +3765,7 @@
             <a:fld id="{B61BEF0D-F0BB-DE4B-95CE-6DB70DBA9567}" type="datetimeFigureOut">
               <a:rPr lang="en-US" smtClean="0"/>
               <a:pPr/>
-              <a:t>5/10/2019</a:t>
+              <a:t>6/7/2019</a:t>
             </a:fld>
             <a:endParaRPr lang="en-US" dirty="0"/>
           </a:p>
@@ -3991,7 +3990,7 @@
             <a:fld id="{B61BEF0D-F0BB-DE4B-95CE-6DB70DBA9567}" type="datetimeFigureOut">
               <a:rPr lang="en-US" dirty="0"/>
               <a:pPr/>
-              <a:t>5/10/2019</a:t>
+              <a:t>6/7/2019</a:t>
             </a:fld>
             <a:endParaRPr lang="en-US" dirty="0"/>
           </a:p>
@@ -6474,430 +6473,6 @@
     <p:extLst>
       <p:ext uri="{BB962C8B-B14F-4D97-AF65-F5344CB8AC3E}">
         <p14:creationId xmlns:p14="http://schemas.microsoft.com/office/powerpoint/2010/main" val="3734111923"/>
-      </p:ext>
-    </p:extLst>
-  </p:cSld>
-  <p:clrMapOvr>
-    <a:masterClrMapping/>
-  </p:clrMapOvr>
-</p:sld>
-</file>
-
-<file path=ppt/slides/slide14.xml><?xml version="1.0" encoding="utf-8"?>
-<p:sld xmlns:a="http://schemas.openxmlformats.org/drawingml/2006/main" xmlns:r="http://schemas.openxmlformats.org/officeDocument/2006/relationships" xmlns:p="http://schemas.openxmlformats.org/presentationml/2006/main">
-  <p:cSld>
-    <p:spTree>
-      <p:nvGrpSpPr>
-        <p:cNvPr id="1" name=""/>
-        <p:cNvGrpSpPr/>
-        <p:nvPr/>
-      </p:nvGrpSpPr>
-      <p:grpSpPr>
-        <a:xfrm>
-          <a:off x="0" y="0"/>
-          <a:ext cx="0" cy="0"/>
-          <a:chOff x="0" y="0"/>
-          <a:chExt cx="0" cy="0"/>
-        </a:xfrm>
-      </p:grpSpPr>
-      <p:sp>
-        <p:nvSpPr>
-          <p:cNvPr id="2" name="TextBox 1">
-            <a:extLst>
-              <a:ext uri="{FF2B5EF4-FFF2-40B4-BE49-F238E27FC236}">
-                <a16:creationId xmlns:a16="http://schemas.microsoft.com/office/drawing/2014/main" id="{2D590B65-B89A-42B1-B81C-DB3E3332CA3A}"/>
-              </a:ext>
-            </a:extLst>
-          </p:cNvPr>
-          <p:cNvSpPr txBox="1"/>
-          <p:nvPr/>
-        </p:nvSpPr>
-        <p:spPr>
-          <a:xfrm>
-            <a:off x="3148613" y="1615734"/>
-            <a:ext cx="5879977" cy="2923877"/>
-          </a:xfrm>
-          <a:prstGeom prst="rect">
-            <a:avLst/>
-          </a:prstGeom>
-          <a:noFill/>
-        </p:spPr>
-        <p:txBody>
-          <a:bodyPr wrap="square" rtlCol="0">
-            <a:spAutoFit/>
-          </a:bodyPr>
-          <a:lstStyle/>
-          <a:p>
-            <a:pPr algn="ctr"/>
-            <a:r>
-              <a:rPr lang="en-GB" sz="2000" b="1" dirty="0"/>
-              <a:t>CONSIDERAZIONI FINALI</a:t>
-            </a:r>
-          </a:p>
-          <a:p>
-            <a:pPr algn="ctr"/>
-            <a:endParaRPr lang="en-GB" sz="2000" dirty="0"/>
-          </a:p>
-          <a:p>
-            <a:pPr algn="ctr"/>
-            <a:r>
-              <a:rPr lang="en-GB" dirty="0" err="1"/>
-              <a:t>Alla</a:t>
-            </a:r>
-            <a:r>
-              <a:rPr lang="en-GB" dirty="0"/>
-              <a:t> luce </a:t>
-            </a:r>
-            <a:r>
-              <a:rPr lang="en-GB" dirty="0" err="1"/>
-              <a:t>dei</a:t>
-            </a:r>
-            <a:r>
-              <a:rPr lang="en-GB" dirty="0"/>
-              <a:t> </a:t>
-            </a:r>
-            <a:r>
-              <a:rPr lang="en-GB" dirty="0" err="1"/>
-              <a:t>valori</a:t>
-            </a:r>
-            <a:r>
-              <a:rPr lang="en-GB" dirty="0"/>
-              <a:t> di FPE, AIC e MDL </a:t>
-            </a:r>
-            <a:r>
-              <a:rPr lang="en-GB" dirty="0" err="1"/>
-              <a:t>ottenuti</a:t>
-            </a:r>
-            <a:r>
-              <a:rPr lang="en-GB" dirty="0"/>
-              <a:t> </a:t>
-            </a:r>
-            <a:r>
-              <a:rPr lang="en-GB" dirty="0" err="1"/>
-              <a:t>indirizziamo</a:t>
-            </a:r>
-            <a:r>
-              <a:rPr lang="en-GB" dirty="0"/>
-              <a:t> la nostra </a:t>
-            </a:r>
-            <a:r>
-              <a:rPr lang="en-GB" dirty="0" err="1"/>
-              <a:t>scelta</a:t>
-            </a:r>
-            <a:r>
-              <a:rPr lang="en-GB" dirty="0"/>
-              <a:t> verso </a:t>
-            </a:r>
-            <a:r>
-              <a:rPr lang="en-GB" dirty="0" err="1"/>
-              <a:t>il</a:t>
-            </a:r>
-            <a:r>
-              <a:rPr lang="en-GB" dirty="0"/>
-              <a:t> </a:t>
-            </a:r>
-            <a:r>
-              <a:rPr lang="en-GB" dirty="0" err="1"/>
-              <a:t>modello</a:t>
-            </a:r>
-            <a:r>
-              <a:rPr lang="en-GB" dirty="0"/>
-              <a:t> </a:t>
-            </a:r>
-            <a:r>
-              <a:rPr lang="en-GB" dirty="0" err="1"/>
-              <a:t>basato</a:t>
-            </a:r>
-            <a:r>
-              <a:rPr lang="en-GB" dirty="0"/>
-              <a:t> </a:t>
-            </a:r>
-            <a:r>
-              <a:rPr lang="en-GB" dirty="0" err="1"/>
-              <a:t>su</a:t>
-            </a:r>
-            <a:r>
-              <a:rPr lang="en-GB" dirty="0"/>
-              <a:t> </a:t>
-            </a:r>
-            <a:r>
-              <a:rPr lang="en-GB" dirty="0" err="1"/>
-              <a:t>serie</a:t>
-            </a:r>
-            <a:r>
-              <a:rPr lang="en-GB" dirty="0"/>
-              <a:t> di Fourier con 14 </a:t>
-            </a:r>
-            <a:r>
-              <a:rPr lang="en-GB" dirty="0" err="1"/>
-              <a:t>armoniche</a:t>
-            </a:r>
-            <a:r>
-              <a:rPr lang="en-GB" dirty="0"/>
-              <a:t>, </a:t>
-            </a:r>
-            <a:r>
-              <a:rPr lang="en-GB" dirty="0" err="1"/>
-              <a:t>scelta</a:t>
-            </a:r>
-            <a:r>
-              <a:rPr lang="en-GB" dirty="0"/>
-              <a:t> </a:t>
-            </a:r>
-            <a:r>
-              <a:rPr lang="en-GB" dirty="0" err="1"/>
-              <a:t>che</a:t>
-            </a:r>
-            <a:r>
-              <a:rPr lang="en-GB" dirty="0"/>
-              <a:t> </a:t>
-            </a:r>
-            <a:r>
-              <a:rPr lang="en-GB" dirty="0" err="1"/>
-              <a:t>viene</a:t>
-            </a:r>
-            <a:r>
-              <a:rPr lang="en-GB" dirty="0"/>
-              <a:t> </a:t>
-            </a:r>
-            <a:r>
-              <a:rPr lang="en-GB" dirty="0" err="1"/>
-              <a:t>confermata</a:t>
-            </a:r>
-            <a:r>
-              <a:rPr lang="en-GB" dirty="0"/>
-              <a:t> </a:t>
-            </a:r>
-            <a:r>
-              <a:rPr lang="en-GB" dirty="0" err="1"/>
-              <a:t>anche</a:t>
-            </a:r>
-            <a:r>
-              <a:rPr lang="en-GB" dirty="0"/>
-              <a:t> </a:t>
-            </a:r>
-            <a:r>
-              <a:rPr lang="en-GB" dirty="0" err="1"/>
-              <a:t>dall’indice</a:t>
-            </a:r>
-            <a:r>
-              <a:rPr lang="en-GB" dirty="0"/>
-              <a:t> di MAPE.</a:t>
-            </a:r>
-          </a:p>
-          <a:p>
-            <a:pPr algn="ctr"/>
-            <a:r>
-              <a:rPr lang="en-GB" dirty="0"/>
-              <a:t>Il </a:t>
-            </a:r>
-            <a:r>
-              <a:rPr lang="en-GB" dirty="0" err="1"/>
-              <a:t>predittore</a:t>
-            </a:r>
-            <a:r>
-              <a:rPr lang="en-GB" dirty="0"/>
-              <a:t> </a:t>
-            </a:r>
-            <a:r>
-              <a:rPr lang="en-GB" dirty="0" err="1"/>
-              <a:t>scelto</a:t>
-            </a:r>
-            <a:r>
-              <a:rPr lang="en-GB" dirty="0"/>
-              <a:t> è in </a:t>
-            </a:r>
-            <a:r>
-              <a:rPr lang="en-GB" dirty="0" err="1"/>
-              <a:t>grado</a:t>
-            </a:r>
-            <a:r>
-              <a:rPr lang="en-GB" dirty="0"/>
-              <a:t> di </a:t>
-            </a:r>
-            <a:r>
-              <a:rPr lang="en-GB" dirty="0" err="1"/>
-              <a:t>avvicinarsi</a:t>
-            </a:r>
-            <a:r>
-              <a:rPr lang="en-GB" dirty="0"/>
-              <a:t> al </a:t>
-            </a:r>
-            <a:r>
-              <a:rPr lang="en-GB" dirty="0" err="1"/>
-              <a:t>valore</a:t>
-            </a:r>
-            <a:r>
-              <a:rPr lang="en-GB" dirty="0"/>
-              <a:t> </a:t>
-            </a:r>
-            <a:r>
-              <a:rPr lang="en-GB" dirty="0" err="1"/>
-              <a:t>atteso</a:t>
-            </a:r>
-            <a:r>
-              <a:rPr lang="en-GB" dirty="0"/>
-              <a:t> con </a:t>
-            </a:r>
-            <a:r>
-              <a:rPr lang="en-GB" dirty="0" err="1"/>
-              <a:t>buoni</a:t>
-            </a:r>
-            <a:r>
-              <a:rPr lang="en-GB" dirty="0"/>
-              <a:t> </a:t>
-            </a:r>
-            <a:r>
-              <a:rPr lang="en-GB" dirty="0" err="1"/>
-              <a:t>margini</a:t>
-            </a:r>
-            <a:r>
-              <a:rPr lang="en-GB" dirty="0"/>
-              <a:t> </a:t>
-            </a:r>
-            <a:r>
-              <a:rPr lang="en-GB" dirty="0" err="1"/>
-              <a:t>anche</a:t>
-            </a:r>
-            <a:r>
-              <a:rPr lang="en-GB" dirty="0"/>
-              <a:t> se </a:t>
-            </a:r>
-            <a:r>
-              <a:rPr lang="en-GB" dirty="0" err="1"/>
-              <a:t>presenta</a:t>
-            </a:r>
-            <a:r>
-              <a:rPr lang="en-GB" dirty="0"/>
-              <a:t> </a:t>
-            </a:r>
-            <a:r>
-              <a:rPr lang="en-GB" dirty="0" err="1"/>
-              <a:t>criticita</a:t>
-            </a:r>
-            <a:r>
-              <a:rPr lang="en-GB" dirty="0"/>
-              <a:t>’ </a:t>
-            </a:r>
-            <a:r>
-              <a:rPr lang="en-GB" dirty="0" err="1"/>
-              <a:t>nella</a:t>
-            </a:r>
-            <a:r>
-              <a:rPr lang="en-GB" dirty="0"/>
-              <a:t> </a:t>
-            </a:r>
-            <a:r>
-              <a:rPr lang="en-GB" dirty="0" err="1"/>
-              <a:t>stima</a:t>
-            </a:r>
-            <a:r>
-              <a:rPr lang="en-GB" dirty="0"/>
-              <a:t> del </a:t>
-            </a:r>
-            <a:r>
-              <a:rPr lang="en-GB" dirty="0" err="1"/>
-              <a:t>mercoledi</a:t>
-            </a:r>
-            <a:r>
-              <a:rPr lang="en-GB" dirty="0"/>
-              <a:t> </a:t>
-            </a:r>
-            <a:r>
-              <a:rPr lang="en-GB" dirty="0" err="1"/>
-              <a:t>quando</a:t>
-            </a:r>
-            <a:r>
-              <a:rPr lang="en-GB" dirty="0"/>
-              <a:t> la </a:t>
-            </a:r>
-            <a:r>
-              <a:rPr lang="en-GB" dirty="0" err="1"/>
-              <a:t>settimana</a:t>
-            </a:r>
-            <a:r>
-              <a:rPr lang="en-GB" dirty="0"/>
-              <a:t> in </a:t>
-            </a:r>
-            <a:r>
-              <a:rPr lang="en-GB" dirty="0" err="1"/>
-              <a:t>ingresso</a:t>
-            </a:r>
-            <a:r>
-              <a:rPr lang="en-GB" dirty="0"/>
-              <a:t> e’ di </a:t>
-            </a:r>
-            <a:r>
-              <a:rPr lang="en-GB" dirty="0" err="1"/>
-              <a:t>festa</a:t>
-            </a:r>
-            <a:r>
-              <a:rPr lang="en-GB" dirty="0"/>
-              <a:t> (visto </a:t>
-            </a:r>
-            <a:r>
-              <a:rPr lang="en-GB" dirty="0" err="1"/>
-              <a:t>che</a:t>
-            </a:r>
-            <a:r>
-              <a:rPr lang="en-GB" dirty="0"/>
-              <a:t> </a:t>
-            </a:r>
-            <a:r>
-              <a:rPr lang="en-GB" dirty="0" err="1"/>
-              <a:t>i</a:t>
-            </a:r>
-            <a:r>
-              <a:rPr lang="en-GB" dirty="0"/>
-              <a:t> </a:t>
-            </a:r>
-            <a:r>
-              <a:rPr lang="en-GB" dirty="0" err="1"/>
-              <a:t>consumi</a:t>
-            </a:r>
-            <a:r>
-              <a:rPr lang="en-GB" dirty="0"/>
-              <a:t> </a:t>
-            </a:r>
-            <a:r>
-              <a:rPr lang="en-GB" dirty="0" err="1"/>
-              <a:t>sono</a:t>
-            </a:r>
-            <a:r>
-              <a:rPr lang="en-GB" dirty="0"/>
-              <a:t> </a:t>
-            </a:r>
-            <a:r>
-              <a:rPr lang="en-GB" dirty="0" err="1"/>
-              <a:t>tipicamente</a:t>
-            </a:r>
-            <a:r>
-              <a:rPr lang="en-GB" dirty="0"/>
-              <a:t> </a:t>
-            </a:r>
-            <a:r>
-              <a:rPr lang="en-GB" dirty="0" err="1"/>
-              <a:t>piu</a:t>
-            </a:r>
-            <a:r>
-              <a:rPr lang="en-GB" dirty="0"/>
-              <a:t>’ </a:t>
-            </a:r>
-            <a:r>
-              <a:rPr lang="en-GB" dirty="0" err="1"/>
-              <a:t>bassi</a:t>
-            </a:r>
-            <a:r>
-              <a:rPr lang="en-GB" dirty="0"/>
-              <a:t>).</a:t>
-            </a:r>
-          </a:p>
-        </p:txBody>
-      </p:sp>
-    </p:spTree>
-    <p:extLst>
-      <p:ext uri="{BB962C8B-B14F-4D97-AF65-F5344CB8AC3E}">
-        <p14:creationId xmlns:p14="http://schemas.microsoft.com/office/powerpoint/2010/main" val="4271135491"/>
       </p:ext>
     </p:extLst>
   </p:cSld>
